--- a/Batch-12 Online/Self Pace/Curriculum/Lectures/Section 7/Introduction to Amazon Web Services (AWS).pptx
+++ b/Batch-12 Online/Self Pace/Curriculum/Lectures/Section 7/Introduction to Amazon Web Services (AWS).pptx
@@ -220,7 +220,7 @@
           <a:p>
             <a:fld id="{91A00CD1-1069-498C-ABC9-89BBA60B1D41}" type="datetimeFigureOut">
               <a:rPr lang="en-US" smtClean="0"/>
-              <a:t>9/13/2023</a:t>
+              <a:t>2/14/2024</a:t>
             </a:fld>
             <a:endParaRPr lang="en-US"/>
           </a:p>
@@ -743,7 +743,7 @@
             <a:fld id="{A27CFB8F-DFCD-4008-9245-A892E2BE0164}" type="datetimeFigureOut">
               <a:rPr lang="en-US" smtClean="0"/>
               <a:pPr/>
-              <a:t>9/13/2023</a:t>
+              <a:t>2/14/2024</a:t>
             </a:fld>
             <a:endParaRPr lang="en-US"/>
           </a:p>
@@ -909,7 +909,7 @@
             <a:fld id="{A27CFB8F-DFCD-4008-9245-A892E2BE0164}" type="datetimeFigureOut">
               <a:rPr lang="en-US" smtClean="0"/>
               <a:pPr/>
-              <a:t>9/13/2023</a:t>
+              <a:t>2/14/2024</a:t>
             </a:fld>
             <a:endParaRPr lang="en-US"/>
           </a:p>
@@ -1085,7 +1085,7 @@
             <a:fld id="{A27CFB8F-DFCD-4008-9245-A892E2BE0164}" type="datetimeFigureOut">
               <a:rPr lang="en-US" smtClean="0"/>
               <a:pPr/>
-              <a:t>9/13/2023</a:t>
+              <a:t>2/14/2024</a:t>
             </a:fld>
             <a:endParaRPr lang="en-US"/>
           </a:p>
@@ -1289,7 +1289,7 @@
           <a:p>
             <a:fld id="{93F04747-9D3D-4EA0-8244-D2D8CA467872}" type="datetimeFigureOut">
               <a:rPr lang="en-US" smtClean="0"/>
-              <a:t>9/13/2023</a:t>
+              <a:t>2/14/2024</a:t>
             </a:fld>
             <a:endParaRPr lang="en-US"/>
           </a:p>
@@ -1487,7 +1487,7 @@
           <a:p>
             <a:fld id="{93F04747-9D3D-4EA0-8244-D2D8CA467872}" type="datetimeFigureOut">
               <a:rPr lang="en-US" smtClean="0"/>
-              <a:t>9/13/2023</a:t>
+              <a:t>2/14/2024</a:t>
             </a:fld>
             <a:endParaRPr lang="en-US"/>
           </a:p>
@@ -1762,7 +1762,7 @@
           <a:p>
             <a:fld id="{93F04747-9D3D-4EA0-8244-D2D8CA467872}" type="datetimeFigureOut">
               <a:rPr lang="en-US" smtClean="0"/>
-              <a:t>9/13/2023</a:t>
+              <a:t>2/14/2024</a:t>
             </a:fld>
             <a:endParaRPr lang="en-US"/>
           </a:p>
@@ -2027,7 +2027,7 @@
           <a:p>
             <a:fld id="{93F04747-9D3D-4EA0-8244-D2D8CA467872}" type="datetimeFigureOut">
               <a:rPr lang="en-US" smtClean="0"/>
-              <a:t>9/13/2023</a:t>
+              <a:t>2/14/2024</a:t>
             </a:fld>
             <a:endParaRPr lang="en-US"/>
           </a:p>
@@ -2439,7 +2439,7 @@
           <a:p>
             <a:fld id="{93F04747-9D3D-4EA0-8244-D2D8CA467872}" type="datetimeFigureOut">
               <a:rPr lang="en-US" smtClean="0"/>
-              <a:t>9/13/2023</a:t>
+              <a:t>2/14/2024</a:t>
             </a:fld>
             <a:endParaRPr lang="en-US"/>
           </a:p>
@@ -2580,7 +2580,7 @@
           <a:p>
             <a:fld id="{93F04747-9D3D-4EA0-8244-D2D8CA467872}" type="datetimeFigureOut">
               <a:rPr lang="en-US" smtClean="0"/>
-              <a:t>9/13/2023</a:t>
+              <a:t>2/14/2024</a:t>
             </a:fld>
             <a:endParaRPr lang="en-US"/>
           </a:p>
@@ -2693,7 +2693,7 @@
           <a:p>
             <a:fld id="{93F04747-9D3D-4EA0-8244-D2D8CA467872}" type="datetimeFigureOut">
               <a:rPr lang="en-US" smtClean="0"/>
-              <a:t>9/13/2023</a:t>
+              <a:t>2/14/2024</a:t>
             </a:fld>
             <a:endParaRPr lang="en-US"/>
           </a:p>
@@ -3004,7 +3004,7 @@
           <a:p>
             <a:fld id="{93F04747-9D3D-4EA0-8244-D2D8CA467872}" type="datetimeFigureOut">
               <a:rPr lang="en-US" smtClean="0"/>
-              <a:t>9/13/2023</a:t>
+              <a:t>2/14/2024</a:t>
             </a:fld>
             <a:endParaRPr lang="en-US"/>
           </a:p>
@@ -3186,7 +3186,7 @@
             <a:fld id="{A27CFB8F-DFCD-4008-9245-A892E2BE0164}" type="datetimeFigureOut">
               <a:rPr lang="en-US" smtClean="0"/>
               <a:pPr/>
-              <a:t>9/13/2023</a:t>
+              <a:t>2/14/2024</a:t>
             </a:fld>
             <a:endParaRPr lang="en-US"/>
           </a:p>
@@ -3458,7 +3458,7 @@
           <a:p>
             <a:fld id="{93F04747-9D3D-4EA0-8244-D2D8CA467872}" type="datetimeFigureOut">
               <a:rPr lang="en-US" smtClean="0"/>
-              <a:t>9/13/2023</a:t>
+              <a:t>2/14/2024</a:t>
             </a:fld>
             <a:endParaRPr lang="en-US"/>
           </a:p>
@@ -3656,7 +3656,7 @@
           <a:p>
             <a:fld id="{93F04747-9D3D-4EA0-8244-D2D8CA467872}" type="datetimeFigureOut">
               <a:rPr lang="en-US" smtClean="0"/>
-              <a:t>9/13/2023</a:t>
+              <a:t>2/14/2024</a:t>
             </a:fld>
             <a:endParaRPr lang="en-US"/>
           </a:p>
@@ -3864,7 +3864,7 @@
           <a:p>
             <a:fld id="{93F04747-9D3D-4EA0-8244-D2D8CA467872}" type="datetimeFigureOut">
               <a:rPr lang="en-US" smtClean="0"/>
-              <a:t>9/13/2023</a:t>
+              <a:t>2/14/2024</a:t>
             </a:fld>
             <a:endParaRPr lang="en-US"/>
           </a:p>
@@ -4123,7 +4123,7 @@
             <a:fld id="{A27CFB8F-DFCD-4008-9245-A892E2BE0164}" type="datetimeFigureOut">
               <a:rPr lang="en-US" smtClean="0"/>
               <a:pPr/>
-              <a:t>9/13/2023</a:t>
+              <a:t>2/14/2024</a:t>
             </a:fld>
             <a:endParaRPr lang="en-US"/>
           </a:p>
@@ -4388,7 +4388,7 @@
             <a:fld id="{A27CFB8F-DFCD-4008-9245-A892E2BE0164}" type="datetimeFigureOut">
               <a:rPr lang="en-US" smtClean="0"/>
               <a:pPr/>
-              <a:t>9/13/2023</a:t>
+              <a:t>2/14/2024</a:t>
             </a:fld>
             <a:endParaRPr lang="en-US"/>
           </a:p>
@@ -4767,7 +4767,7 @@
             <a:fld id="{A27CFB8F-DFCD-4008-9245-A892E2BE0164}" type="datetimeFigureOut">
               <a:rPr lang="en-US" smtClean="0"/>
               <a:pPr/>
-              <a:t>9/13/2023</a:t>
+              <a:t>2/14/2024</a:t>
             </a:fld>
             <a:endParaRPr lang="en-US"/>
           </a:p>
@@ -4918,7 +4918,7 @@
             <a:fld id="{A27CFB8F-DFCD-4008-9245-A892E2BE0164}" type="datetimeFigureOut">
               <a:rPr lang="en-US" smtClean="0"/>
               <a:pPr/>
-              <a:t>9/13/2023</a:t>
+              <a:t>2/14/2024</a:t>
             </a:fld>
             <a:endParaRPr lang="en-US"/>
           </a:p>
@@ -5010,7 +5010,7 @@
             <a:fld id="{A27CFB8F-DFCD-4008-9245-A892E2BE0164}" type="datetimeFigureOut">
               <a:rPr lang="en-US" smtClean="0"/>
               <a:pPr/>
-              <a:t>9/13/2023</a:t>
+              <a:t>2/14/2024</a:t>
             </a:fld>
             <a:endParaRPr lang="en-US"/>
           </a:p>
@@ -5272,7 +5272,7 @@
             <a:fld id="{A27CFB8F-DFCD-4008-9245-A892E2BE0164}" type="datetimeFigureOut">
               <a:rPr lang="en-US" smtClean="0"/>
               <a:pPr/>
-              <a:t>9/13/2023</a:t>
+              <a:t>2/14/2024</a:t>
             </a:fld>
             <a:endParaRPr lang="en-US"/>
           </a:p>
@@ -5561,7 +5561,7 @@
             <a:fld id="{A27CFB8F-DFCD-4008-9245-A892E2BE0164}" type="datetimeFigureOut">
               <a:rPr lang="en-US" smtClean="0"/>
               <a:pPr/>
-              <a:t>9/13/2023</a:t>
+              <a:t>2/14/2024</a:t>
             </a:fld>
             <a:endParaRPr lang="en-US"/>
           </a:p>
@@ -6076,7 +6076,7 @@
             <a:fld id="{A27CFB8F-DFCD-4008-9245-A892E2BE0164}" type="datetimeFigureOut">
               <a:rPr lang="en-US" smtClean="0"/>
               <a:pPr/>
-              <a:t>9/13/2023</a:t>
+              <a:t>2/14/2024</a:t>
             </a:fld>
             <a:endParaRPr lang="en-US"/>
           </a:p>
@@ -6668,7 +6668,7 @@
           <a:p>
             <a:fld id="{93F04747-9D3D-4EA0-8244-D2D8CA467872}" type="datetimeFigureOut">
               <a:rPr lang="en-US" smtClean="0"/>
-              <a:t>9/13/2023</a:t>
+              <a:t>2/14/2024</a:t>
             </a:fld>
             <a:endParaRPr lang="en-US"/>
           </a:p>
@@ -7998,10 +7998,6 @@
           </a:bodyPr>
           <a:lstStyle/>
           <a:p>
-            <a:pPr algn="l">
-              <a:buFont typeface="+mj-lt"/>
-              <a:buAutoNum type="arabicPeriod"/>
-            </a:pPr>
             <a:r>
               <a:rPr lang="en-US" b="1" i="0" dirty="0">
                 <a:solidFill>
@@ -8024,10 +8020,6 @@
             </a:r>
           </a:p>
           <a:p>
-            <a:pPr algn="l">
-              <a:buFont typeface="+mj-lt"/>
-              <a:buAutoNum type="arabicPeriod"/>
-            </a:pPr>
             <a:r>
               <a:rPr lang="en-US" b="1" i="0" dirty="0">
                 <a:solidFill>
@@ -8050,10 +8042,6 @@
             </a:r>
           </a:p>
           <a:p>
-            <a:pPr algn="l">
-              <a:buFont typeface="+mj-lt"/>
-              <a:buAutoNum type="arabicPeriod"/>
-            </a:pPr>
             <a:r>
               <a:rPr lang="en-US" b="1" i="0" dirty="0">
                 <a:solidFill>
